--- a/Creational Patterns.pptx
+++ b/Creational Patterns.pptx
@@ -344,7 +344,7 @@
           <a:p>
             <a:fld id="{FC756817-CFCE-4E01-914B-E9FB8CFBB74D}" type="datetimeFigureOut">
               <a:rPr lang="fr-FR" smtClean="0"/>
-              <a:t>16/01/2019</a:t>
+              <a:t>17/01/2019</a:t>
             </a:fld>
             <a:endParaRPr lang="fr-FR"/>
           </a:p>
@@ -542,7 +542,7 @@
           <a:p>
             <a:fld id="{FC756817-CFCE-4E01-914B-E9FB8CFBB74D}" type="datetimeFigureOut">
               <a:rPr lang="fr-FR" smtClean="0"/>
-              <a:t>16/01/2019</a:t>
+              <a:t>17/01/2019</a:t>
             </a:fld>
             <a:endParaRPr lang="fr-FR"/>
           </a:p>
@@ -750,7 +750,7 @@
           <a:p>
             <a:fld id="{FC756817-CFCE-4E01-914B-E9FB8CFBB74D}" type="datetimeFigureOut">
               <a:rPr lang="fr-FR" smtClean="0"/>
-              <a:t>16/01/2019</a:t>
+              <a:t>17/01/2019</a:t>
             </a:fld>
             <a:endParaRPr lang="fr-FR"/>
           </a:p>
@@ -948,7 +948,7 @@
           <a:p>
             <a:fld id="{FC756817-CFCE-4E01-914B-E9FB8CFBB74D}" type="datetimeFigureOut">
               <a:rPr lang="fr-FR" smtClean="0"/>
-              <a:t>16/01/2019</a:t>
+              <a:t>17/01/2019</a:t>
             </a:fld>
             <a:endParaRPr lang="fr-FR"/>
           </a:p>
@@ -1223,7 +1223,7 @@
           <a:p>
             <a:fld id="{FC756817-CFCE-4E01-914B-E9FB8CFBB74D}" type="datetimeFigureOut">
               <a:rPr lang="fr-FR" smtClean="0"/>
-              <a:t>16/01/2019</a:t>
+              <a:t>17/01/2019</a:t>
             </a:fld>
             <a:endParaRPr lang="fr-FR"/>
           </a:p>
@@ -1488,7 +1488,7 @@
           <a:p>
             <a:fld id="{FC756817-CFCE-4E01-914B-E9FB8CFBB74D}" type="datetimeFigureOut">
               <a:rPr lang="fr-FR" smtClean="0"/>
-              <a:t>16/01/2019</a:t>
+              <a:t>17/01/2019</a:t>
             </a:fld>
             <a:endParaRPr lang="fr-FR"/>
           </a:p>
@@ -1900,7 +1900,7 @@
           <a:p>
             <a:fld id="{FC756817-CFCE-4E01-914B-E9FB8CFBB74D}" type="datetimeFigureOut">
               <a:rPr lang="fr-FR" smtClean="0"/>
-              <a:t>16/01/2019</a:t>
+              <a:t>17/01/2019</a:t>
             </a:fld>
             <a:endParaRPr lang="fr-FR"/>
           </a:p>
@@ -2041,7 +2041,7 @@
           <a:p>
             <a:fld id="{FC756817-CFCE-4E01-914B-E9FB8CFBB74D}" type="datetimeFigureOut">
               <a:rPr lang="fr-FR" smtClean="0"/>
-              <a:t>16/01/2019</a:t>
+              <a:t>17/01/2019</a:t>
             </a:fld>
             <a:endParaRPr lang="fr-FR"/>
           </a:p>
@@ -2154,7 +2154,7 @@
           <a:p>
             <a:fld id="{FC756817-CFCE-4E01-914B-E9FB8CFBB74D}" type="datetimeFigureOut">
               <a:rPr lang="fr-FR" smtClean="0"/>
-              <a:t>16/01/2019</a:t>
+              <a:t>17/01/2019</a:t>
             </a:fld>
             <a:endParaRPr lang="fr-FR"/>
           </a:p>
@@ -2465,7 +2465,7 @@
           <a:p>
             <a:fld id="{FC756817-CFCE-4E01-914B-E9FB8CFBB74D}" type="datetimeFigureOut">
               <a:rPr lang="fr-FR" smtClean="0"/>
-              <a:t>16/01/2019</a:t>
+              <a:t>17/01/2019</a:t>
             </a:fld>
             <a:endParaRPr lang="fr-FR"/>
           </a:p>
@@ -2753,7 +2753,7 @@
           <a:p>
             <a:fld id="{FC756817-CFCE-4E01-914B-E9FB8CFBB74D}" type="datetimeFigureOut">
               <a:rPr lang="fr-FR" smtClean="0"/>
-              <a:t>16/01/2019</a:t>
+              <a:t>17/01/2019</a:t>
             </a:fld>
             <a:endParaRPr lang="fr-FR"/>
           </a:p>
@@ -2994,7 +2994,7 @@
           <a:p>
             <a:fld id="{FC756817-CFCE-4E01-914B-E9FB8CFBB74D}" type="datetimeFigureOut">
               <a:rPr lang="fr-FR" smtClean="0"/>
-              <a:t>16/01/2019</a:t>
+              <a:t>17/01/2019</a:t>
             </a:fld>
             <a:endParaRPr lang="fr-FR"/>
           </a:p>
@@ -3638,12 +3638,70 @@
         </p:nvSpPr>
         <p:spPr/>
         <p:txBody>
-          <a:bodyPr/>
+          <a:bodyPr>
+            <a:normAutofit/>
+          </a:bodyPr>
           <a:lstStyle/>
           <a:p>
             <a:r>
               <a:rPr lang="en-US" dirty="0"/>
               <a:t>Consequences :</a:t>
+            </a:r>
+          </a:p>
+          <a:p>
+            <a:pPr lvl="1"/>
+            <a:r>
+              <a:rPr lang="en-US" dirty="0"/>
+              <a:t>The client does not need to know the </a:t>
+            </a:r>
+            <a:r>
+              <a:rPr lang="en-US" dirty="0" err="1"/>
+              <a:t>ConcreteProduct</a:t>
+            </a:r>
+            <a:r>
+              <a:rPr lang="en-US" dirty="0"/>
+              <a:t> class that is instantiated : the Product interface is used instead.</a:t>
+            </a:r>
+          </a:p>
+          <a:p>
+            <a:pPr lvl="1"/>
+            <a:r>
+              <a:rPr lang="en-US" dirty="0"/>
+              <a:t>Makes creating objects more flexible (virtual method vs direct instantiation).</a:t>
+            </a:r>
+          </a:p>
+          <a:p>
+            <a:pPr lvl="1"/>
+            <a:r>
+              <a:rPr lang="en-US" dirty="0"/>
+              <a:t>Connects parallel class hierarchies</a:t>
+            </a:r>
+          </a:p>
+          <a:p>
+            <a:pPr lvl="1"/>
+            <a:endParaRPr lang="en-US" dirty="0"/>
+          </a:p>
+          <a:p>
+            <a:pPr lvl="1"/>
+            <a:r>
+              <a:rPr lang="en-US" dirty="0"/>
+              <a:t>Disadvantage : the Creator class needs to be </a:t>
+            </a:r>
+            <a:r>
+              <a:rPr lang="en-US" dirty="0" err="1"/>
+              <a:t>subclassed</a:t>
+            </a:r>
+            <a:r>
+              <a:rPr lang="en-US" dirty="0"/>
+              <a:t> each time there is a new </a:t>
+            </a:r>
+            <a:r>
+              <a:rPr lang="en-US" dirty="0" err="1"/>
+              <a:t>ConcreteProduct</a:t>
+            </a:r>
+            <a:r>
+              <a:rPr lang="en-US" dirty="0"/>
+              <a:t> class.</a:t>
             </a:r>
           </a:p>
         </p:txBody>
@@ -3732,6 +3790,39 @@
               <a:t>Implementation details :</a:t>
             </a:r>
           </a:p>
+          <a:p>
+            <a:pPr lvl="1"/>
+            <a:r>
+              <a:rPr lang="en-US" dirty="0"/>
+              <a:t>Either make Creator abstract and implement the factory method within the subclasses, or make Creator concrete and provide a default implementation for the factory method.</a:t>
+            </a:r>
+          </a:p>
+          <a:p>
+            <a:pPr lvl="1"/>
+            <a:r>
+              <a:rPr lang="en-US" dirty="0"/>
+              <a:t>Parameterizing the factory method so that it can return several different classes of objects is possible.</a:t>
+            </a:r>
+          </a:p>
+          <a:p>
+            <a:pPr lvl="1"/>
+            <a:r>
+              <a:rPr lang="en-US" dirty="0"/>
+              <a:t>Templates can be used in order to avoid </a:t>
+            </a:r>
+            <a:r>
+              <a:rPr lang="en-US" dirty="0" err="1"/>
+              <a:t>subclassing</a:t>
+            </a:r>
+            <a:r>
+              <a:rPr lang="en-US" dirty="0"/>
+              <a:t> Creator.</a:t>
+            </a:r>
+          </a:p>
+          <a:p>
+            <a:pPr lvl="1"/>
+            <a:endParaRPr lang="en-US" dirty="0"/>
+          </a:p>
         </p:txBody>
       </p:sp>
     </p:spTree>
@@ -3820,7 +3911,10 @@
           </a:p>
           <a:p>
             <a:pPr lvl="1"/>
-            <a:endParaRPr lang="en-US" dirty="0"/>
+            <a:r>
+              <a:rPr lang="en-US" dirty="0"/>
+              <a:t>Specify the type using a prototype and create objects by copying it.</a:t>
+            </a:r>
           </a:p>
           <a:p>
             <a:pPr lvl="1"/>
@@ -3834,6 +3928,30 @@
           </a:p>
           <a:p>
             <a:pPr lvl="1"/>
+            <a:r>
+              <a:rPr lang="en-US" dirty="0"/>
+              <a:t>The classes to instantiate can be provided at run-time</a:t>
+            </a:r>
+          </a:p>
+          <a:p>
+            <a:pPr lvl="1"/>
+            <a:r>
+              <a:rPr lang="en-US" dirty="0"/>
+              <a:t>Buildings a parallel hierarchy of factories needs to be avoided</a:t>
+            </a:r>
+          </a:p>
+          <a:p>
+            <a:pPr lvl="1"/>
+            <a:r>
+              <a:rPr lang="en-US" dirty="0"/>
+              <a:t>There is a limited number of different states an instance of the Prototype can have </a:t>
+            </a:r>
+            <a:r>
+              <a:rPr lang="en-US" dirty="0">
+                <a:sym typeface="Wingdings" panose="05000000000000000000" pitchFamily="2" charset="2"/>
+              </a:rPr>
+              <a:t> it may be easier to create the said Prototypes and clone them rather then manually creating the objects.</a:t>
+            </a:r>
             <a:endParaRPr lang="en-US" dirty="0"/>
           </a:p>
           <a:p>
@@ -4016,6 +4134,72 @@
               <a:t>Consequences :</a:t>
             </a:r>
           </a:p>
+          <a:p>
+            <a:pPr lvl="1"/>
+            <a:r>
+              <a:rPr lang="en-US" dirty="0"/>
+              <a:t>Concrete classes are hidden from the client.</a:t>
+            </a:r>
+          </a:p>
+          <a:p>
+            <a:pPr lvl="1"/>
+            <a:r>
+              <a:rPr lang="en-US" dirty="0"/>
+              <a:t>Products and/or classes can be added at run-time.</a:t>
+            </a:r>
+          </a:p>
+          <a:p>
+            <a:pPr lvl="1"/>
+            <a:r>
+              <a:rPr lang="en-US" dirty="0"/>
+              <a:t>Create new kinds of objects by changing the client’s Prototype instance : thanks to object composition, specify the concrete class of objects to be created. </a:t>
+            </a:r>
+            <a:r>
+              <a:rPr lang="en-US" dirty="0">
+                <a:sym typeface="Wingdings" panose="05000000000000000000" pitchFamily="2" charset="2"/>
+              </a:rPr>
+              <a:t> Reduces </a:t>
+            </a:r>
+            <a:r>
+              <a:rPr lang="en-US" dirty="0" err="1">
+                <a:sym typeface="Wingdings" panose="05000000000000000000" pitchFamily="2" charset="2"/>
+              </a:rPr>
+              <a:t>subclassing</a:t>
+            </a:r>
+            <a:r>
+              <a:rPr lang="en-US" dirty="0">
+                <a:sym typeface="Wingdings" panose="05000000000000000000" pitchFamily="2" charset="2"/>
+              </a:rPr>
+              <a:t> an eventual Creator (the object containing the Prototype) as opposed to Factory Method.</a:t>
+            </a:r>
+            <a:endParaRPr lang="en-US" dirty="0"/>
+          </a:p>
+          <a:p>
+            <a:pPr lvl="1"/>
+            <a:r>
+              <a:rPr lang="en-US" dirty="0"/>
+              <a:t>Allows reusing the same object as a brick via deep copying.</a:t>
+            </a:r>
+          </a:p>
+          <a:p>
+            <a:pPr lvl="1"/>
+            <a:endParaRPr lang="en-US" dirty="0"/>
+          </a:p>
+          <a:p>
+            <a:pPr lvl="1"/>
+            <a:r>
+              <a:rPr lang="en-US" dirty="0"/>
+              <a:t>Disadvantage : defining </a:t>
+            </a:r>
+            <a:r>
+              <a:rPr lang="en-US" b="1" dirty="0"/>
+              <a:t>clone() </a:t>
+            </a:r>
+            <a:r>
+              <a:rPr lang="en-US" dirty="0"/>
+              <a:t>may be hard, especially if deep cloning is needed or if objects have circular references.</a:t>
+            </a:r>
+          </a:p>
         </p:txBody>
       </p:sp>
     </p:spTree>
@@ -4100,6 +4284,35 @@
             <a:r>
               <a:rPr lang="en-US" dirty="0"/>
               <a:t>Implementation details :</a:t>
+            </a:r>
+          </a:p>
+          <a:p>
+            <a:pPr lvl="1"/>
+            <a:r>
+              <a:rPr lang="en-US" dirty="0"/>
+              <a:t>Prototypes can be stored inside a Prototype Manager.</a:t>
+            </a:r>
+          </a:p>
+          <a:p>
+            <a:pPr lvl="1"/>
+            <a:r>
+              <a:rPr lang="en-US" dirty="0"/>
+              <a:t>Cloning can be difficult.</a:t>
+            </a:r>
+          </a:p>
+          <a:p>
+            <a:pPr lvl="1"/>
+            <a:r>
+              <a:rPr lang="en-US" dirty="0"/>
+              <a:t>An </a:t>
+            </a:r>
+            <a:r>
+              <a:rPr lang="en-US" b="1" dirty="0"/>
+              <a:t>Initialize() </a:t>
+            </a:r>
+            <a:r>
+              <a:rPr lang="en-US" dirty="0"/>
+              <a:t>method can be added to the Prototype in order to configure its state after cloning.</a:t>
             </a:r>
           </a:p>
         </p:txBody>
@@ -4555,6 +4768,17 @@
               <a:t>Implementation details :</a:t>
             </a:r>
           </a:p>
+          <a:p>
+            <a:pPr lvl="1"/>
+            <a:r>
+              <a:rPr lang="en-US" dirty="0"/>
+              <a:t>Can be implemented using either Factory Method or Prototype.</a:t>
+            </a:r>
+          </a:p>
+          <a:p>
+            <a:pPr lvl="1"/>
+            <a:endParaRPr lang="en-US" dirty="0"/>
+          </a:p>
         </p:txBody>
       </p:sp>
     </p:spTree>
@@ -5831,20 +6055,41 @@
           </a:p>
           <a:p>
             <a:pPr lvl="1"/>
-            <a:endParaRPr lang="en-US" dirty="0"/>
+            <a:r>
+              <a:rPr lang="en-US" dirty="0"/>
+              <a:t>Define an interface for creating objects, but let subclasses decide the class of the object to instantiate</a:t>
+            </a:r>
+          </a:p>
+          <a:p>
+            <a:r>
+              <a:rPr lang="en-US" dirty="0"/>
+              <a:t>Applicability :</a:t>
+            </a:r>
           </a:p>
           <a:p>
             <a:pPr lvl="1"/>
-            <a:endParaRPr lang="en-US" dirty="0"/>
-          </a:p>
-          <a:p>
-            <a:r>
-              <a:rPr lang="en-US" dirty="0"/>
-              <a:t>Applicability :</a:t>
+            <a:r>
+              <a:rPr lang="en-US" dirty="0"/>
+              <a:t>A creator class cannot anticipate the class of the object to instantiate</a:t>
             </a:r>
           </a:p>
           <a:p>
             <a:pPr lvl="1"/>
+            <a:r>
+              <a:rPr lang="en-US" dirty="0"/>
+              <a:t>The class of the object to instantiate is known by the creator’s subclasses</a:t>
+            </a:r>
+          </a:p>
+          <a:p>
+            <a:pPr marL="457200" lvl="1" indent="0">
+              <a:buNone/>
+            </a:pPr>
+            <a:r>
+              <a:rPr lang="en-US" dirty="0">
+                <a:sym typeface="Wingdings" panose="05000000000000000000" pitchFamily="2" charset="2"/>
+              </a:rPr>
+              <a:t>     i.e. a creator’s subclass knows which class of product it should create</a:t>
+            </a:r>
             <a:endParaRPr lang="en-US" dirty="0"/>
           </a:p>
           <a:p>
